--- a/stm/documents/EWRI_2011/PackageDiagramSuggest.pptx
+++ b/stm/documents/EWRI_2011/PackageDiagramSuggest.pptx
@@ -4006,6 +4006,47 @@
               <a:t>Non-linear Reaction</a:t>
             </a:r>
             <a:endParaRPr lang="en-US" sz="1200" dirty="0"/>
+          </a:p>
+        </p:txBody>
+      </p:sp>
+      <p:sp>
+        <p:nvSpPr>
+          <p:cNvPr id="27" name="Rectangle 26"/>
+          <p:cNvSpPr/>
+          <p:nvPr/>
+        </p:nvSpPr>
+        <p:spPr>
+          <a:xfrm>
+            <a:off x="1676400" y="2209800"/>
+            <a:ext cx="6324600" cy="4267200"/>
+          </a:xfrm>
+          <a:prstGeom prst="rect">
+            <a:avLst/>
+          </a:prstGeom>
+          <a:noFill/>
+        </p:spPr>
+        <p:style>
+          <a:lnRef idx="2">
+            <a:schemeClr val="accent1">
+              <a:shade val="50000"/>
+            </a:schemeClr>
+          </a:lnRef>
+          <a:fillRef idx="1">
+            <a:schemeClr val="accent1"/>
+          </a:fillRef>
+          <a:effectRef idx="0">
+            <a:schemeClr val="accent1"/>
+          </a:effectRef>
+          <a:fontRef idx="minor">
+            <a:schemeClr val="lt1"/>
+          </a:fontRef>
+        </p:style>
+        <p:txBody>
+          <a:bodyPr rtlCol="0" anchor="ctr"/>
+          <a:lstStyle/>
+          <a:p>
+            <a:pPr algn="ctr"/>
+            <a:endParaRPr lang="en-US"/>
           </a:p>
         </p:txBody>
       </p:sp>

--- a/stm/documents/EWRI_2011/PackageDiagramSuggest.pptx
+++ b/stm/documents/EWRI_2011/PackageDiagramSuggest.pptx
@@ -3059,997 +3059,1012 @@
           <a:chExt cx="0" cy="0"/>
         </a:xfrm>
       </p:grpSpPr>
-      <p:sp>
-        <p:nvSpPr>
-          <p:cNvPr id="8" name="TextBox 7"/>
-          <p:cNvSpPr txBox="1"/>
+      <p:grpSp>
+        <p:nvGrpSpPr>
+          <p:cNvPr id="38" name="Group 37"/>
+          <p:cNvGrpSpPr/>
           <p:nvPr/>
-        </p:nvSpPr>
-        <p:spPr>
+        </p:nvGrpSpPr>
+        <p:grpSpPr>
           <a:xfrm>
-            <a:off x="533400" y="2362200"/>
-            <a:ext cx="1143000" cy="369332"/>
+            <a:off x="533400" y="1524000"/>
+            <a:ext cx="8122920" cy="5334000"/>
+            <a:chOff x="533400" y="1524000"/>
+            <a:chExt cx="8122920" cy="5334000"/>
           </a:xfrm>
-          <a:prstGeom prst="rect">
-            <a:avLst/>
-          </a:prstGeom>
-          <a:noFill/>
-        </p:spPr>
-        <p:txBody>
-          <a:bodyPr wrap="square" rtlCol="0">
-            <a:spAutoFit/>
-          </a:bodyPr>
-          <a:lstStyle/>
-          <a:p>
-            <a:r>
-              <a:rPr lang="en-US" dirty="0" smtClean="0"/>
-              <a:t>React (R)</a:t>
-            </a:r>
-            <a:endParaRPr lang="en-US" dirty="0"/>
-          </a:p>
-        </p:txBody>
-      </p:sp>
-      <p:sp>
-        <p:nvSpPr>
-          <p:cNvPr id="9" name="TextBox 8"/>
-          <p:cNvSpPr txBox="1"/>
-          <p:nvPr/>
-        </p:nvSpPr>
-        <p:spPr>
-          <a:xfrm>
-            <a:off x="533400" y="3059668"/>
-            <a:ext cx="1447800" cy="369332"/>
-          </a:xfrm>
-          <a:prstGeom prst="rect">
-            <a:avLst/>
-          </a:prstGeom>
-          <a:noFill/>
-        </p:spPr>
-        <p:txBody>
-          <a:bodyPr wrap="square" rtlCol="0">
-            <a:spAutoFit/>
-          </a:bodyPr>
-          <a:lstStyle/>
-          <a:p>
-            <a:r>
-              <a:rPr lang="en-US" dirty="0" err="1" smtClean="0"/>
-              <a:t>Advect</a:t>
-            </a:r>
-            <a:r>
-              <a:rPr lang="en-US" dirty="0" smtClean="0"/>
-              <a:t> (A)</a:t>
-            </a:r>
-            <a:endParaRPr lang="en-US" dirty="0"/>
-          </a:p>
-        </p:txBody>
-      </p:sp>
-      <p:sp>
-        <p:nvSpPr>
-          <p:cNvPr id="10" name="TextBox 9"/>
-          <p:cNvSpPr txBox="1"/>
-          <p:nvPr/>
-        </p:nvSpPr>
-        <p:spPr>
-          <a:xfrm>
-            <a:off x="533400" y="3745468"/>
-            <a:ext cx="1447800" cy="369332"/>
-          </a:xfrm>
-          <a:prstGeom prst="rect">
-            <a:avLst/>
-          </a:prstGeom>
-          <a:noFill/>
-        </p:spPr>
-        <p:txBody>
-          <a:bodyPr wrap="square" rtlCol="0">
-            <a:spAutoFit/>
-          </a:bodyPr>
-          <a:lstStyle/>
-          <a:p>
-            <a:r>
-              <a:rPr lang="en-US" dirty="0" smtClean="0"/>
-              <a:t>Diffuse (D)</a:t>
-            </a:r>
-            <a:endParaRPr lang="en-US" dirty="0"/>
-          </a:p>
-        </p:txBody>
-      </p:sp>
-      <p:sp>
-        <p:nvSpPr>
-          <p:cNvPr id="11" name="TextBox 10"/>
-          <p:cNvSpPr txBox="1"/>
-          <p:nvPr/>
-        </p:nvSpPr>
-        <p:spPr>
-          <a:xfrm>
-            <a:off x="609600" y="5029200"/>
-            <a:ext cx="838200" cy="369332"/>
-          </a:xfrm>
-          <a:prstGeom prst="rect">
-            <a:avLst/>
-          </a:prstGeom>
-          <a:noFill/>
-        </p:spPr>
-        <p:txBody>
-          <a:bodyPr wrap="square" rtlCol="0">
-            <a:spAutoFit/>
-          </a:bodyPr>
-          <a:lstStyle/>
-          <a:p>
-            <a:r>
-              <a:rPr lang="en-US" dirty="0" smtClean="0"/>
-              <a:t>A-D</a:t>
-            </a:r>
-            <a:endParaRPr lang="en-US" dirty="0"/>
-          </a:p>
-        </p:txBody>
-      </p:sp>
-      <p:sp>
-        <p:nvSpPr>
-          <p:cNvPr id="12" name="TextBox 11"/>
-          <p:cNvSpPr txBox="1"/>
-          <p:nvPr/>
-        </p:nvSpPr>
-        <p:spPr>
-          <a:xfrm>
-            <a:off x="685800" y="4278868"/>
-            <a:ext cx="838200" cy="369332"/>
-          </a:xfrm>
-          <a:prstGeom prst="rect">
-            <a:avLst/>
-          </a:prstGeom>
-          <a:noFill/>
-        </p:spPr>
-        <p:txBody>
-          <a:bodyPr wrap="square" rtlCol="0">
-            <a:spAutoFit/>
-          </a:bodyPr>
-          <a:lstStyle/>
-          <a:p>
-            <a:r>
-              <a:rPr lang="en-US" dirty="0" smtClean="0"/>
-              <a:t>A-R</a:t>
-            </a:r>
-            <a:endParaRPr lang="en-US" dirty="0"/>
-          </a:p>
-        </p:txBody>
-      </p:sp>
-      <p:sp>
-        <p:nvSpPr>
-          <p:cNvPr id="13" name="TextBox 12"/>
-          <p:cNvSpPr txBox="1"/>
-          <p:nvPr/>
-        </p:nvSpPr>
-        <p:spPr>
-          <a:xfrm>
-            <a:off x="609600" y="6019800"/>
-            <a:ext cx="838200" cy="369332"/>
-          </a:xfrm>
-          <a:prstGeom prst="rect">
-            <a:avLst/>
-          </a:prstGeom>
-          <a:noFill/>
-        </p:spPr>
-        <p:txBody>
-          <a:bodyPr wrap="square" rtlCol="0">
-            <a:spAutoFit/>
-          </a:bodyPr>
-          <a:lstStyle/>
-          <a:p>
-            <a:r>
-              <a:rPr lang="en-US" dirty="0" smtClean="0"/>
-              <a:t>A-D-R</a:t>
-            </a:r>
-            <a:endParaRPr lang="en-US" dirty="0"/>
-          </a:p>
-        </p:txBody>
-      </p:sp>
-      <p:sp>
-        <p:nvSpPr>
-          <p:cNvPr id="14" name="TextBox 13"/>
-          <p:cNvSpPr txBox="1"/>
-          <p:nvPr/>
-        </p:nvSpPr>
-        <p:spPr>
-          <a:xfrm>
-            <a:off x="3886200" y="1524000"/>
-            <a:ext cx="1371600" cy="369332"/>
-          </a:xfrm>
-          <a:prstGeom prst="rect">
-            <a:avLst/>
-          </a:prstGeom>
-          <a:noFill/>
-        </p:spPr>
-        <p:txBody>
-          <a:bodyPr wrap="square" rtlCol="0">
-            <a:spAutoFit/>
-          </a:bodyPr>
-          <a:lstStyle/>
-          <a:p>
-            <a:r>
-              <a:rPr lang="en-US" dirty="0" smtClean="0"/>
-              <a:t>Flow Field </a:t>
-            </a:r>
-            <a:endParaRPr lang="en-US" dirty="0"/>
-          </a:p>
-        </p:txBody>
-      </p:sp>
-      <p:sp>
-        <p:nvSpPr>
-          <p:cNvPr id="17" name="TextBox 16"/>
-          <p:cNvSpPr txBox="1"/>
-          <p:nvPr/>
-        </p:nvSpPr>
-        <p:spPr>
-          <a:xfrm>
-            <a:off x="2057400" y="1905000"/>
-            <a:ext cx="1371600" cy="369332"/>
-          </a:xfrm>
-          <a:prstGeom prst="rect">
-            <a:avLst/>
-          </a:prstGeom>
-          <a:noFill/>
-        </p:spPr>
-        <p:txBody>
-          <a:bodyPr wrap="square" rtlCol="0">
-            <a:spAutoFit/>
-          </a:bodyPr>
-          <a:lstStyle/>
-          <a:p>
-            <a:r>
-              <a:rPr lang="en-US" dirty="0" smtClean="0"/>
-              <a:t>Quiescent</a:t>
-            </a:r>
-            <a:endParaRPr lang="en-US" dirty="0"/>
-          </a:p>
-        </p:txBody>
-      </p:sp>
-      <p:sp>
-        <p:nvSpPr>
-          <p:cNvPr id="18" name="TextBox 17"/>
-          <p:cNvSpPr txBox="1"/>
-          <p:nvPr/>
-        </p:nvSpPr>
-        <p:spPr>
-          <a:xfrm>
-            <a:off x="3276600" y="1905000"/>
-            <a:ext cx="1371600" cy="369332"/>
-          </a:xfrm>
-          <a:prstGeom prst="rect">
-            <a:avLst/>
-          </a:prstGeom>
-          <a:noFill/>
-        </p:spPr>
-        <p:txBody>
-          <a:bodyPr wrap="square" rtlCol="0">
-            <a:spAutoFit/>
-          </a:bodyPr>
-          <a:lstStyle/>
-          <a:p>
-            <a:r>
-              <a:rPr lang="en-US" dirty="0" smtClean="0"/>
-              <a:t>Uniform</a:t>
-            </a:r>
-            <a:endParaRPr lang="en-US" dirty="0"/>
-          </a:p>
-        </p:txBody>
-      </p:sp>
-      <p:sp>
-        <p:nvSpPr>
-          <p:cNvPr id="19" name="TextBox 18"/>
-          <p:cNvSpPr txBox="1"/>
-          <p:nvPr/>
-        </p:nvSpPr>
-        <p:spPr>
-          <a:xfrm>
-            <a:off x="4724400" y="1905000"/>
-            <a:ext cx="1066800" cy="369332"/>
-          </a:xfrm>
-          <a:prstGeom prst="rect">
-            <a:avLst/>
-          </a:prstGeom>
-          <a:noFill/>
-        </p:spPr>
-        <p:txBody>
-          <a:bodyPr wrap="square" rtlCol="0">
-            <a:spAutoFit/>
-          </a:bodyPr>
-          <a:lstStyle/>
-          <a:p>
-            <a:r>
-              <a:rPr lang="en-US" dirty="0" smtClean="0"/>
-              <a:t>Tidal</a:t>
-            </a:r>
-            <a:endParaRPr lang="en-US" dirty="0"/>
-          </a:p>
-        </p:txBody>
-      </p:sp>
-      <p:sp>
-        <p:nvSpPr>
-          <p:cNvPr id="22" name="TextBox 21"/>
-          <p:cNvSpPr txBox="1"/>
-          <p:nvPr/>
-        </p:nvSpPr>
-        <p:spPr>
-          <a:xfrm>
-            <a:off x="5791200" y="1905000"/>
-            <a:ext cx="2209800" cy="369332"/>
-          </a:xfrm>
-          <a:prstGeom prst="rect">
-            <a:avLst/>
-          </a:prstGeom>
-          <a:noFill/>
-        </p:spPr>
-        <p:txBody>
-          <a:bodyPr wrap="square" rtlCol="0">
-            <a:spAutoFit/>
-          </a:bodyPr>
-          <a:lstStyle/>
-          <a:p>
-            <a:r>
-              <a:rPr lang="en-US" dirty="0" smtClean="0"/>
-              <a:t>Spatial Flow/</a:t>
-            </a:r>
-            <a:r>
-              <a:rPr lang="en-US" dirty="0" err="1" smtClean="0"/>
-              <a:t>Coeffs</a:t>
-            </a:r>
-            <a:endParaRPr lang="en-US" dirty="0"/>
-          </a:p>
-        </p:txBody>
-      </p:sp>
-      <p:sp>
-        <p:nvSpPr>
-          <p:cNvPr id="24" name="Down Arrow 23"/>
-          <p:cNvSpPr/>
-          <p:nvPr/>
-        </p:nvSpPr>
-        <p:spPr>
-          <a:xfrm rot="16200000">
-            <a:off x="4373880" y="3581400"/>
-            <a:ext cx="426720" cy="6126480"/>
-          </a:xfrm>
-          <a:prstGeom prst="downArrow">
-            <a:avLst>
-              <a:gd name="adj1" fmla="val 50000"/>
-              <a:gd name="adj2" fmla="val 49405"/>
-            </a:avLst>
-          </a:prstGeom>
-          <a:gradFill flip="none" rotWithShape="1">
-            <a:gsLst>
-              <a:gs pos="0">
-                <a:schemeClr val="tx1">
-                  <a:lumMod val="95000"/>
-                  <a:lumOff val="5000"/>
-                </a:schemeClr>
-              </a:gs>
-              <a:gs pos="50000">
-                <a:schemeClr val="accent1">
-                  <a:tint val="44500"/>
-                  <a:satMod val="160000"/>
-                </a:schemeClr>
-              </a:gs>
-              <a:gs pos="100000">
-                <a:schemeClr val="accent1">
-                  <a:tint val="23500"/>
-                  <a:satMod val="160000"/>
-                </a:schemeClr>
-              </a:gs>
-            </a:gsLst>
-            <a:lin ang="16200000" scaled="1"/>
-            <a:tileRect/>
-          </a:gradFill>
-        </p:spPr>
-        <p:style>
-          <a:lnRef idx="2">
-            <a:schemeClr val="accent1">
-              <a:shade val="50000"/>
-            </a:schemeClr>
-          </a:lnRef>
-          <a:fillRef idx="1">
-            <a:schemeClr val="accent1"/>
-          </a:fillRef>
-          <a:effectRef idx="0">
-            <a:schemeClr val="accent1"/>
-          </a:effectRef>
-          <a:fontRef idx="minor">
-            <a:schemeClr val="lt1"/>
-          </a:fontRef>
-        </p:style>
-        <p:txBody>
-          <a:bodyPr vert="vert" rtlCol="0" anchor="ctr"/>
-          <a:lstStyle/>
-          <a:p>
-            <a:pPr algn="ctr"/>
-            <a:r>
-              <a:rPr lang="en-US" sz="2800" dirty="0" smtClean="0">
-                <a:solidFill>
-                  <a:srgbClr val="C00000"/>
-                </a:solidFill>
-              </a:rPr>
-              <a:t>Complexity</a:t>
-            </a:r>
-            <a:r>
-              <a:rPr lang="en-US" sz="2800" dirty="0" smtClean="0"/>
-              <a:t> </a:t>
-            </a:r>
-            <a:endParaRPr lang="en-US" dirty="0"/>
-          </a:p>
-        </p:txBody>
-      </p:sp>
-      <p:sp>
-        <p:nvSpPr>
-          <p:cNvPr id="25" name="Down Arrow 24"/>
-          <p:cNvSpPr/>
-          <p:nvPr/>
-        </p:nvSpPr>
-        <p:spPr>
-          <a:xfrm>
-            <a:off x="8229600" y="1828800"/>
-            <a:ext cx="426720" cy="4526280"/>
-          </a:xfrm>
-          <a:prstGeom prst="downArrow">
-            <a:avLst>
-              <a:gd name="adj1" fmla="val 50000"/>
-              <a:gd name="adj2" fmla="val 49405"/>
-            </a:avLst>
-          </a:prstGeom>
-          <a:gradFill flip="none" rotWithShape="1">
-            <a:gsLst>
-              <a:gs pos="0">
-                <a:schemeClr val="tx1">
-                  <a:lumMod val="95000"/>
-                  <a:lumOff val="5000"/>
-                </a:schemeClr>
-              </a:gs>
-              <a:gs pos="50000">
-                <a:schemeClr val="accent1">
-                  <a:tint val="44500"/>
-                  <a:satMod val="160000"/>
-                </a:schemeClr>
-              </a:gs>
-              <a:gs pos="100000">
-                <a:schemeClr val="accent1">
-                  <a:tint val="23500"/>
-                  <a:satMod val="160000"/>
-                </a:schemeClr>
-              </a:gs>
-            </a:gsLst>
-            <a:lin ang="16200000" scaled="1"/>
-            <a:tileRect/>
-          </a:gradFill>
-        </p:spPr>
-        <p:style>
-          <a:lnRef idx="2">
-            <a:schemeClr val="accent1">
-              <a:shade val="50000"/>
-            </a:schemeClr>
-          </a:lnRef>
-          <a:fillRef idx="1">
-            <a:schemeClr val="accent1"/>
-          </a:fillRef>
-          <a:effectRef idx="0">
-            <a:schemeClr val="accent1"/>
-          </a:effectRef>
-          <a:fontRef idx="minor">
-            <a:schemeClr val="lt1"/>
-          </a:fontRef>
-        </p:style>
-        <p:txBody>
-          <a:bodyPr vert="vert" rtlCol="0" anchor="ctr"/>
-          <a:lstStyle/>
-          <a:p>
-            <a:pPr algn="ctr"/>
-            <a:r>
-              <a:rPr lang="en-US" sz="2800" dirty="0" smtClean="0">
-                <a:solidFill>
-                  <a:srgbClr val="C00000"/>
-                </a:solidFill>
-              </a:rPr>
-              <a:t>Complexity</a:t>
-            </a:r>
-            <a:r>
-              <a:rPr lang="en-US" sz="2800" dirty="0" smtClean="0"/>
-              <a:t> </a:t>
-            </a:r>
-            <a:endParaRPr lang="en-US" dirty="0"/>
-          </a:p>
-        </p:txBody>
-      </p:sp>
-      <p:sp>
-        <p:nvSpPr>
-          <p:cNvPr id="26" name="TextBox 25"/>
-          <p:cNvSpPr txBox="1"/>
-          <p:nvPr/>
-        </p:nvSpPr>
-        <p:spPr>
-          <a:xfrm>
-            <a:off x="1752600" y="2286000"/>
-            <a:ext cx="1295400" cy="461665"/>
-          </a:xfrm>
-          <a:prstGeom prst="rect">
-            <a:avLst/>
-          </a:prstGeom>
-          <a:noFill/>
-          <a:ln>
-            <a:solidFill>
+        </p:grpSpPr>
+        <p:sp>
+          <p:nvSpPr>
+            <p:cNvPr id="8" name="TextBox 7"/>
+            <p:cNvSpPr txBox="1"/>
+            <p:nvPr/>
+          </p:nvSpPr>
+          <p:spPr>
+            <a:xfrm>
+              <a:off x="533400" y="2362200"/>
+              <a:ext cx="1143000" cy="369332"/>
+            </a:xfrm>
+            <a:prstGeom prst="rect">
+              <a:avLst/>
+            </a:prstGeom>
+            <a:noFill/>
+          </p:spPr>
+          <p:txBody>
+            <a:bodyPr wrap="square" rtlCol="0">
+              <a:spAutoFit/>
+            </a:bodyPr>
+            <a:lstStyle/>
+            <a:p>
+              <a:r>
+                <a:rPr lang="en-US" dirty="0" smtClean="0"/>
+                <a:t>React (R)</a:t>
+              </a:r>
+              <a:endParaRPr lang="en-US" dirty="0"/>
+            </a:p>
+          </p:txBody>
+        </p:sp>
+        <p:sp>
+          <p:nvSpPr>
+            <p:cNvPr id="9" name="TextBox 8"/>
+            <p:cNvSpPr txBox="1"/>
+            <p:nvPr/>
+          </p:nvSpPr>
+          <p:spPr>
+            <a:xfrm>
+              <a:off x="533400" y="3059668"/>
+              <a:ext cx="1447800" cy="369332"/>
+            </a:xfrm>
+            <a:prstGeom prst="rect">
+              <a:avLst/>
+            </a:prstGeom>
+            <a:noFill/>
+          </p:spPr>
+          <p:txBody>
+            <a:bodyPr wrap="square" rtlCol="0">
+              <a:spAutoFit/>
+            </a:bodyPr>
+            <a:lstStyle/>
+            <a:p>
+              <a:r>
+                <a:rPr lang="en-US" dirty="0" err="1" smtClean="0"/>
+                <a:t>Advect</a:t>
+              </a:r>
+              <a:r>
+                <a:rPr lang="en-US" dirty="0" smtClean="0"/>
+                <a:t> (A)</a:t>
+              </a:r>
+              <a:endParaRPr lang="en-US" dirty="0"/>
+            </a:p>
+          </p:txBody>
+        </p:sp>
+        <p:sp>
+          <p:nvSpPr>
+            <p:cNvPr id="10" name="TextBox 9"/>
+            <p:cNvSpPr txBox="1"/>
+            <p:nvPr/>
+          </p:nvSpPr>
+          <p:spPr>
+            <a:xfrm>
+              <a:off x="533400" y="3745468"/>
+              <a:ext cx="1447800" cy="369332"/>
+            </a:xfrm>
+            <a:prstGeom prst="rect">
+              <a:avLst/>
+            </a:prstGeom>
+            <a:noFill/>
+          </p:spPr>
+          <p:txBody>
+            <a:bodyPr wrap="square" rtlCol="0">
+              <a:spAutoFit/>
+            </a:bodyPr>
+            <a:lstStyle/>
+            <a:p>
+              <a:r>
+                <a:rPr lang="en-US" dirty="0" smtClean="0"/>
+                <a:t>Diffuse (D)</a:t>
+              </a:r>
+              <a:endParaRPr lang="en-US" dirty="0"/>
+            </a:p>
+          </p:txBody>
+        </p:sp>
+        <p:sp>
+          <p:nvSpPr>
+            <p:cNvPr id="11" name="TextBox 10"/>
+            <p:cNvSpPr txBox="1"/>
+            <p:nvPr/>
+          </p:nvSpPr>
+          <p:spPr>
+            <a:xfrm>
+              <a:off x="609600" y="5029200"/>
+              <a:ext cx="838200" cy="369332"/>
+            </a:xfrm>
+            <a:prstGeom prst="rect">
+              <a:avLst/>
+            </a:prstGeom>
+            <a:noFill/>
+          </p:spPr>
+          <p:txBody>
+            <a:bodyPr wrap="square" rtlCol="0">
+              <a:spAutoFit/>
+            </a:bodyPr>
+            <a:lstStyle/>
+            <a:p>
+              <a:r>
+                <a:rPr lang="en-US" dirty="0" smtClean="0"/>
+                <a:t>A-D</a:t>
+              </a:r>
+              <a:endParaRPr lang="en-US" dirty="0"/>
+            </a:p>
+          </p:txBody>
+        </p:sp>
+        <p:sp>
+          <p:nvSpPr>
+            <p:cNvPr id="12" name="TextBox 11"/>
+            <p:cNvSpPr txBox="1"/>
+            <p:nvPr/>
+          </p:nvSpPr>
+          <p:spPr>
+            <a:xfrm>
+              <a:off x="685800" y="4278868"/>
+              <a:ext cx="838200" cy="369332"/>
+            </a:xfrm>
+            <a:prstGeom prst="rect">
+              <a:avLst/>
+            </a:prstGeom>
+            <a:noFill/>
+          </p:spPr>
+          <p:txBody>
+            <a:bodyPr wrap="square" rtlCol="0">
+              <a:spAutoFit/>
+            </a:bodyPr>
+            <a:lstStyle/>
+            <a:p>
+              <a:r>
+                <a:rPr lang="en-US" dirty="0" smtClean="0"/>
+                <a:t>A-R</a:t>
+              </a:r>
+              <a:endParaRPr lang="en-US" dirty="0"/>
+            </a:p>
+          </p:txBody>
+        </p:sp>
+        <p:sp>
+          <p:nvSpPr>
+            <p:cNvPr id="13" name="TextBox 12"/>
+            <p:cNvSpPr txBox="1"/>
+            <p:nvPr/>
+          </p:nvSpPr>
+          <p:spPr>
+            <a:xfrm>
+              <a:off x="609600" y="6019800"/>
+              <a:ext cx="838200" cy="369332"/>
+            </a:xfrm>
+            <a:prstGeom prst="rect">
+              <a:avLst/>
+            </a:prstGeom>
+            <a:noFill/>
+          </p:spPr>
+          <p:txBody>
+            <a:bodyPr wrap="square" rtlCol="0">
+              <a:spAutoFit/>
+            </a:bodyPr>
+            <a:lstStyle/>
+            <a:p>
+              <a:r>
+                <a:rPr lang="en-US" dirty="0" smtClean="0"/>
+                <a:t>A-D-R</a:t>
+              </a:r>
+              <a:endParaRPr lang="en-US" dirty="0"/>
+            </a:p>
+          </p:txBody>
+        </p:sp>
+        <p:sp>
+          <p:nvSpPr>
+            <p:cNvPr id="14" name="TextBox 13"/>
+            <p:cNvSpPr txBox="1"/>
+            <p:nvPr/>
+          </p:nvSpPr>
+          <p:spPr>
+            <a:xfrm>
+              <a:off x="3886200" y="1524000"/>
+              <a:ext cx="1371600" cy="369332"/>
+            </a:xfrm>
+            <a:prstGeom prst="rect">
+              <a:avLst/>
+            </a:prstGeom>
+            <a:noFill/>
+          </p:spPr>
+          <p:txBody>
+            <a:bodyPr wrap="square" rtlCol="0">
+              <a:spAutoFit/>
+            </a:bodyPr>
+            <a:lstStyle/>
+            <a:p>
+              <a:r>
+                <a:rPr lang="en-US" dirty="0" smtClean="0"/>
+                <a:t>Flow Field </a:t>
+              </a:r>
+              <a:endParaRPr lang="en-US" dirty="0"/>
+            </a:p>
+          </p:txBody>
+        </p:sp>
+        <p:sp>
+          <p:nvSpPr>
+            <p:cNvPr id="17" name="TextBox 16"/>
+            <p:cNvSpPr txBox="1"/>
+            <p:nvPr/>
+          </p:nvSpPr>
+          <p:spPr>
+            <a:xfrm>
+              <a:off x="2057400" y="1905000"/>
+              <a:ext cx="1371600" cy="369332"/>
+            </a:xfrm>
+            <a:prstGeom prst="rect">
+              <a:avLst/>
+            </a:prstGeom>
+            <a:noFill/>
+          </p:spPr>
+          <p:txBody>
+            <a:bodyPr wrap="square" rtlCol="0">
+              <a:spAutoFit/>
+            </a:bodyPr>
+            <a:lstStyle/>
+            <a:p>
+              <a:r>
+                <a:rPr lang="en-US" dirty="0" smtClean="0"/>
+                <a:t>Quiescent</a:t>
+              </a:r>
+              <a:endParaRPr lang="en-US" dirty="0"/>
+            </a:p>
+          </p:txBody>
+        </p:sp>
+        <p:sp>
+          <p:nvSpPr>
+            <p:cNvPr id="18" name="TextBox 17"/>
+            <p:cNvSpPr txBox="1"/>
+            <p:nvPr/>
+          </p:nvSpPr>
+          <p:spPr>
+            <a:xfrm>
+              <a:off x="3276600" y="1905000"/>
+              <a:ext cx="1371600" cy="369332"/>
+            </a:xfrm>
+            <a:prstGeom prst="rect">
+              <a:avLst/>
+            </a:prstGeom>
+            <a:noFill/>
+          </p:spPr>
+          <p:txBody>
+            <a:bodyPr wrap="square" rtlCol="0">
+              <a:spAutoFit/>
+            </a:bodyPr>
+            <a:lstStyle/>
+            <a:p>
+              <a:r>
+                <a:rPr lang="en-US" dirty="0" smtClean="0"/>
+                <a:t>Uniform</a:t>
+              </a:r>
+              <a:endParaRPr lang="en-US" dirty="0"/>
+            </a:p>
+          </p:txBody>
+        </p:sp>
+        <p:sp>
+          <p:nvSpPr>
+            <p:cNvPr id="19" name="TextBox 18"/>
+            <p:cNvSpPr txBox="1"/>
+            <p:nvPr/>
+          </p:nvSpPr>
+          <p:spPr>
+            <a:xfrm>
+              <a:off x="4724400" y="1905000"/>
+              <a:ext cx="1066800" cy="369332"/>
+            </a:xfrm>
+            <a:prstGeom prst="rect">
+              <a:avLst/>
+            </a:prstGeom>
+            <a:noFill/>
+          </p:spPr>
+          <p:txBody>
+            <a:bodyPr wrap="square" rtlCol="0">
+              <a:spAutoFit/>
+            </a:bodyPr>
+            <a:lstStyle/>
+            <a:p>
+              <a:r>
+                <a:rPr lang="en-US" dirty="0" smtClean="0"/>
+                <a:t>Tidal</a:t>
+              </a:r>
+              <a:endParaRPr lang="en-US" dirty="0"/>
+            </a:p>
+          </p:txBody>
+        </p:sp>
+        <p:sp>
+          <p:nvSpPr>
+            <p:cNvPr id="22" name="TextBox 21"/>
+            <p:cNvSpPr txBox="1"/>
+            <p:nvPr/>
+          </p:nvSpPr>
+          <p:spPr>
+            <a:xfrm>
+              <a:off x="5791200" y="1905000"/>
+              <a:ext cx="2209800" cy="369332"/>
+            </a:xfrm>
+            <a:prstGeom prst="rect">
+              <a:avLst/>
+            </a:prstGeom>
+            <a:noFill/>
+          </p:spPr>
+          <p:txBody>
+            <a:bodyPr wrap="square" rtlCol="0">
+              <a:spAutoFit/>
+            </a:bodyPr>
+            <a:lstStyle/>
+            <a:p>
+              <a:r>
+                <a:rPr lang="en-US" dirty="0" smtClean="0"/>
+                <a:t>Spatial Flow/</a:t>
+              </a:r>
+              <a:r>
+                <a:rPr lang="en-US" dirty="0" err="1" smtClean="0"/>
+                <a:t>Coeffs</a:t>
+              </a:r>
+              <a:endParaRPr lang="en-US" dirty="0"/>
+            </a:p>
+          </p:txBody>
+        </p:sp>
+        <p:sp>
+          <p:nvSpPr>
+            <p:cNvPr id="24" name="Down Arrow 23"/>
+            <p:cNvSpPr/>
+            <p:nvPr/>
+          </p:nvSpPr>
+          <p:spPr>
+            <a:xfrm rot="16200000">
+              <a:off x="4373880" y="3581400"/>
+              <a:ext cx="426720" cy="6126480"/>
+            </a:xfrm>
+            <a:prstGeom prst="downArrow">
+              <a:avLst>
+                <a:gd name="adj1" fmla="val 50000"/>
+                <a:gd name="adj2" fmla="val 49405"/>
+              </a:avLst>
+            </a:prstGeom>
+            <a:gradFill flip="none" rotWithShape="1">
+              <a:gsLst>
+                <a:gs pos="0">
+                  <a:schemeClr val="tx1">
+                    <a:lumMod val="95000"/>
+                    <a:lumOff val="5000"/>
+                  </a:schemeClr>
+                </a:gs>
+                <a:gs pos="50000">
+                  <a:schemeClr val="accent1">
+                    <a:tint val="44500"/>
+                    <a:satMod val="160000"/>
+                  </a:schemeClr>
+                </a:gs>
+                <a:gs pos="100000">
+                  <a:schemeClr val="accent1">
+                    <a:tint val="23500"/>
+                    <a:satMod val="160000"/>
+                  </a:schemeClr>
+                </a:gs>
+              </a:gsLst>
+              <a:lin ang="16200000" scaled="1"/>
+              <a:tileRect/>
+            </a:gradFill>
+          </p:spPr>
+          <p:style>
+            <a:lnRef idx="2">
+              <a:schemeClr val="accent1">
+                <a:shade val="50000"/>
+              </a:schemeClr>
+            </a:lnRef>
+            <a:fillRef idx="1">
               <a:schemeClr val="accent1"/>
-            </a:solidFill>
-          </a:ln>
-        </p:spPr>
-        <p:txBody>
-          <a:bodyPr wrap="square" rtlCol="0">
-            <a:spAutoFit/>
-          </a:bodyPr>
-          <a:lstStyle/>
-          <a:p>
-            <a:r>
-              <a:rPr lang="en-US" sz="1200" dirty="0" smtClean="0"/>
-              <a:t>Gaussian Plume</a:t>
-            </a:r>
-          </a:p>
-          <a:p>
-            <a:r>
-              <a:rPr lang="en-US" sz="1200" dirty="0" smtClean="0"/>
-              <a:t>Linear</a:t>
-            </a:r>
-            <a:endParaRPr lang="en-US" sz="1200" dirty="0"/>
-          </a:p>
-        </p:txBody>
-      </p:sp>
-      <p:sp>
-        <p:nvSpPr>
-          <p:cNvPr id="28" name="TextBox 27"/>
-          <p:cNvSpPr txBox="1"/>
-          <p:nvPr/>
-        </p:nvSpPr>
-        <p:spPr>
-          <a:xfrm>
-            <a:off x="1752600" y="2743200"/>
-            <a:ext cx="1295400" cy="276999"/>
-          </a:xfrm>
-          <a:prstGeom prst="rect">
-            <a:avLst/>
-          </a:prstGeom>
-          <a:noFill/>
-          <a:ln>
-            <a:solidFill>
+            </a:fillRef>
+            <a:effectRef idx="0">
               <a:schemeClr val="accent1"/>
-            </a:solidFill>
-          </a:ln>
-        </p:spPr>
-        <p:txBody>
-          <a:bodyPr wrap="square" rtlCol="0">
-            <a:spAutoFit/>
-          </a:bodyPr>
-          <a:lstStyle/>
-          <a:p>
-            <a:r>
-              <a:rPr lang="en-US" sz="1200" dirty="0" smtClean="0"/>
-              <a:t>Stiff</a:t>
-            </a:r>
-            <a:endParaRPr lang="en-US" sz="1200" dirty="0"/>
-          </a:p>
-        </p:txBody>
-      </p:sp>
-      <p:sp>
-        <p:nvSpPr>
-          <p:cNvPr id="29" name="TextBox 28"/>
-          <p:cNvSpPr txBox="1"/>
-          <p:nvPr/>
-        </p:nvSpPr>
-        <p:spPr>
-          <a:xfrm>
-            <a:off x="3200400" y="2819400"/>
-            <a:ext cx="1295400" cy="461665"/>
-          </a:xfrm>
-          <a:prstGeom prst="rect">
-            <a:avLst/>
-          </a:prstGeom>
-          <a:noFill/>
-          <a:ln>
-            <a:solidFill>
+            </a:effectRef>
+            <a:fontRef idx="minor">
+              <a:schemeClr val="lt1"/>
+            </a:fontRef>
+          </p:style>
+          <p:txBody>
+            <a:bodyPr vert="vert" rtlCol="0" anchor="ctr"/>
+            <a:lstStyle/>
+            <a:p>
+              <a:pPr algn="ctr"/>
+              <a:r>
+                <a:rPr lang="en-US" sz="2800" dirty="0" smtClean="0">
+                  <a:solidFill>
+                    <a:srgbClr val="C00000"/>
+                  </a:solidFill>
+                </a:rPr>
+                <a:t>Complexity</a:t>
+              </a:r>
+              <a:r>
+                <a:rPr lang="en-US" sz="2800" dirty="0" smtClean="0"/>
+                <a:t> </a:t>
+              </a:r>
+              <a:endParaRPr lang="en-US" dirty="0"/>
+            </a:p>
+          </p:txBody>
+        </p:sp>
+        <p:sp>
+          <p:nvSpPr>
+            <p:cNvPr id="25" name="Down Arrow 24"/>
+            <p:cNvSpPr/>
+            <p:nvPr/>
+          </p:nvSpPr>
+          <p:spPr>
+            <a:xfrm>
+              <a:off x="8229600" y="1828800"/>
+              <a:ext cx="426720" cy="4526280"/>
+            </a:xfrm>
+            <a:prstGeom prst="downArrow">
+              <a:avLst>
+                <a:gd name="adj1" fmla="val 50000"/>
+                <a:gd name="adj2" fmla="val 49405"/>
+              </a:avLst>
+            </a:prstGeom>
+            <a:gradFill flip="none" rotWithShape="1">
+              <a:gsLst>
+                <a:gs pos="0">
+                  <a:schemeClr val="tx1">
+                    <a:lumMod val="95000"/>
+                    <a:lumOff val="5000"/>
+                  </a:schemeClr>
+                </a:gs>
+                <a:gs pos="50000">
+                  <a:schemeClr val="accent1">
+                    <a:tint val="44500"/>
+                    <a:satMod val="160000"/>
+                  </a:schemeClr>
+                </a:gs>
+                <a:gs pos="100000">
+                  <a:schemeClr val="accent1">
+                    <a:tint val="23500"/>
+                    <a:satMod val="160000"/>
+                  </a:schemeClr>
+                </a:gs>
+              </a:gsLst>
+              <a:lin ang="16200000" scaled="1"/>
+              <a:tileRect/>
+            </a:gradFill>
+          </p:spPr>
+          <p:style>
+            <a:lnRef idx="2">
+              <a:schemeClr val="accent1">
+                <a:shade val="50000"/>
+              </a:schemeClr>
+            </a:lnRef>
+            <a:fillRef idx="1">
               <a:schemeClr val="accent1"/>
-            </a:solidFill>
-          </a:ln>
-        </p:spPr>
-        <p:txBody>
-          <a:bodyPr wrap="square" rtlCol="0">
-            <a:spAutoFit/>
-          </a:bodyPr>
-          <a:lstStyle/>
-          <a:p>
-            <a:r>
-              <a:rPr lang="en-US" sz="1200" dirty="0" smtClean="0"/>
-              <a:t>Gaussian Plume</a:t>
-            </a:r>
-          </a:p>
-          <a:p>
-            <a:r>
-              <a:rPr lang="en-US" sz="1200" dirty="0" smtClean="0"/>
-              <a:t>Remote BC</a:t>
-            </a:r>
-            <a:endParaRPr lang="en-US" sz="1200" dirty="0"/>
-          </a:p>
-        </p:txBody>
-      </p:sp>
-      <p:sp>
-        <p:nvSpPr>
-          <p:cNvPr id="30" name="TextBox 29"/>
-          <p:cNvSpPr txBox="1"/>
-          <p:nvPr/>
-        </p:nvSpPr>
-        <p:spPr>
-          <a:xfrm>
-            <a:off x="3200400" y="3276600"/>
-            <a:ext cx="1295400" cy="461665"/>
-          </a:xfrm>
-          <a:prstGeom prst="rect">
-            <a:avLst/>
-          </a:prstGeom>
-          <a:noFill/>
-          <a:ln>
-            <a:solidFill>
+            </a:fillRef>
+            <a:effectRef idx="0">
               <a:schemeClr val="accent1"/>
-            </a:solidFill>
-          </a:ln>
-        </p:spPr>
-        <p:txBody>
-          <a:bodyPr wrap="square" rtlCol="0">
-            <a:spAutoFit/>
-          </a:bodyPr>
-          <a:lstStyle/>
-          <a:p>
-            <a:r>
-              <a:rPr lang="en-US" sz="1200" dirty="0" smtClean="0"/>
-              <a:t>Gaussian Plume</a:t>
-            </a:r>
-          </a:p>
-          <a:p>
-            <a:r>
-              <a:rPr lang="en-US" sz="1200" dirty="0" smtClean="0"/>
-              <a:t>Active BC</a:t>
-            </a:r>
-            <a:endParaRPr lang="en-US" sz="1200" dirty="0"/>
-          </a:p>
-        </p:txBody>
-      </p:sp>
-      <p:sp>
-        <p:nvSpPr>
-          <p:cNvPr id="31" name="TextBox 30"/>
-          <p:cNvSpPr txBox="1"/>
-          <p:nvPr/>
-        </p:nvSpPr>
-        <p:spPr>
-          <a:xfrm>
-            <a:off x="1752600" y="3429000"/>
-            <a:ext cx="1295400" cy="461665"/>
-          </a:xfrm>
-          <a:prstGeom prst="rect">
-            <a:avLst/>
-          </a:prstGeom>
-          <a:noFill/>
-          <a:ln>
-            <a:solidFill>
+            </a:effectRef>
+            <a:fontRef idx="minor">
+              <a:schemeClr val="lt1"/>
+            </a:fontRef>
+          </p:style>
+          <p:txBody>
+            <a:bodyPr vert="vert" rtlCol="0" anchor="ctr"/>
+            <a:lstStyle/>
+            <a:p>
+              <a:pPr algn="ctr"/>
+              <a:r>
+                <a:rPr lang="en-US" sz="2800" dirty="0" smtClean="0">
+                  <a:solidFill>
+                    <a:srgbClr val="C00000"/>
+                  </a:solidFill>
+                </a:rPr>
+                <a:t>Complexity</a:t>
+              </a:r>
+              <a:r>
+                <a:rPr lang="en-US" sz="2800" dirty="0" smtClean="0"/>
+                <a:t> </a:t>
+              </a:r>
+              <a:endParaRPr lang="en-US" dirty="0"/>
+            </a:p>
+          </p:txBody>
+        </p:sp>
+        <p:sp>
+          <p:nvSpPr>
+            <p:cNvPr id="26" name="TextBox 25"/>
+            <p:cNvSpPr txBox="1"/>
+            <p:nvPr/>
+          </p:nvSpPr>
+          <p:spPr>
+            <a:xfrm>
+              <a:off x="1752600" y="2286000"/>
+              <a:ext cx="1295400" cy="461665"/>
+            </a:xfrm>
+            <a:prstGeom prst="rect">
+              <a:avLst/>
+            </a:prstGeom>
+            <a:noFill/>
+            <a:ln>
+              <a:solidFill>
+                <a:schemeClr val="accent1"/>
+              </a:solidFill>
+            </a:ln>
+          </p:spPr>
+          <p:txBody>
+            <a:bodyPr wrap="square" rtlCol="0">
+              <a:spAutoFit/>
+            </a:bodyPr>
+            <a:lstStyle/>
+            <a:p>
+              <a:r>
+                <a:rPr lang="en-US" sz="1200" dirty="0" smtClean="0"/>
+                <a:t>Gaussian Plume</a:t>
+              </a:r>
+            </a:p>
+            <a:p>
+              <a:r>
+                <a:rPr lang="en-US" sz="1200" dirty="0" smtClean="0"/>
+                <a:t>Linear</a:t>
+              </a:r>
+              <a:endParaRPr lang="en-US" sz="1200" dirty="0"/>
+            </a:p>
+          </p:txBody>
+        </p:sp>
+        <p:sp>
+          <p:nvSpPr>
+            <p:cNvPr id="28" name="TextBox 27"/>
+            <p:cNvSpPr txBox="1"/>
+            <p:nvPr/>
+          </p:nvSpPr>
+          <p:spPr>
+            <a:xfrm>
+              <a:off x="1752600" y="2743200"/>
+              <a:ext cx="1295400" cy="276999"/>
+            </a:xfrm>
+            <a:prstGeom prst="rect">
+              <a:avLst/>
+            </a:prstGeom>
+            <a:noFill/>
+            <a:ln>
+              <a:solidFill>
+                <a:schemeClr val="accent1"/>
+              </a:solidFill>
+            </a:ln>
+          </p:spPr>
+          <p:txBody>
+            <a:bodyPr wrap="square" rtlCol="0">
+              <a:spAutoFit/>
+            </a:bodyPr>
+            <a:lstStyle/>
+            <a:p>
+              <a:r>
+                <a:rPr lang="en-US" sz="1200" dirty="0" smtClean="0"/>
+                <a:t>Stiff</a:t>
+              </a:r>
+              <a:endParaRPr lang="en-US" sz="1200" dirty="0"/>
+            </a:p>
+          </p:txBody>
+        </p:sp>
+        <p:sp>
+          <p:nvSpPr>
+            <p:cNvPr id="29" name="TextBox 28"/>
+            <p:cNvSpPr txBox="1"/>
+            <p:nvPr/>
+          </p:nvSpPr>
+          <p:spPr>
+            <a:xfrm>
+              <a:off x="3200400" y="2819400"/>
+              <a:ext cx="1295400" cy="461665"/>
+            </a:xfrm>
+            <a:prstGeom prst="rect">
+              <a:avLst/>
+            </a:prstGeom>
+            <a:noFill/>
+            <a:ln>
+              <a:solidFill>
+                <a:schemeClr val="accent1"/>
+              </a:solidFill>
+            </a:ln>
+          </p:spPr>
+          <p:txBody>
+            <a:bodyPr wrap="square" rtlCol="0">
+              <a:spAutoFit/>
+            </a:bodyPr>
+            <a:lstStyle/>
+            <a:p>
+              <a:r>
+                <a:rPr lang="en-US" sz="1200" dirty="0" smtClean="0"/>
+                <a:t>Gaussian Plume</a:t>
+              </a:r>
+            </a:p>
+            <a:p>
+              <a:r>
+                <a:rPr lang="en-US" sz="1200" dirty="0" smtClean="0"/>
+                <a:t>Remote BC</a:t>
+              </a:r>
+              <a:endParaRPr lang="en-US" sz="1200" dirty="0"/>
+            </a:p>
+          </p:txBody>
+        </p:sp>
+        <p:sp>
+          <p:nvSpPr>
+            <p:cNvPr id="30" name="TextBox 29"/>
+            <p:cNvSpPr txBox="1"/>
+            <p:nvPr/>
+          </p:nvSpPr>
+          <p:spPr>
+            <a:xfrm>
+              <a:off x="3200400" y="3276600"/>
+              <a:ext cx="1295400" cy="461665"/>
+            </a:xfrm>
+            <a:prstGeom prst="rect">
+              <a:avLst/>
+            </a:prstGeom>
+            <a:noFill/>
+            <a:ln>
+              <a:solidFill>
+                <a:schemeClr val="accent1"/>
+              </a:solidFill>
+            </a:ln>
+          </p:spPr>
+          <p:txBody>
+            <a:bodyPr wrap="square" rtlCol="0">
+              <a:spAutoFit/>
+            </a:bodyPr>
+            <a:lstStyle/>
+            <a:p>
+              <a:r>
+                <a:rPr lang="en-US" sz="1200" dirty="0" smtClean="0"/>
+                <a:t>Gaussian Plume</a:t>
+              </a:r>
+            </a:p>
+            <a:p>
+              <a:r>
+                <a:rPr lang="en-US" sz="1200" dirty="0" smtClean="0"/>
+                <a:t>Active BC</a:t>
+              </a:r>
+              <a:endParaRPr lang="en-US" sz="1200" dirty="0"/>
+            </a:p>
+          </p:txBody>
+        </p:sp>
+        <p:sp>
+          <p:nvSpPr>
+            <p:cNvPr id="31" name="TextBox 30"/>
+            <p:cNvSpPr txBox="1"/>
+            <p:nvPr/>
+          </p:nvSpPr>
+          <p:spPr>
+            <a:xfrm>
+              <a:off x="1752600" y="3429000"/>
+              <a:ext cx="1295400" cy="461665"/>
+            </a:xfrm>
+            <a:prstGeom prst="rect">
+              <a:avLst/>
+            </a:prstGeom>
+            <a:noFill/>
+            <a:ln>
+              <a:solidFill>
+                <a:schemeClr val="accent1"/>
+              </a:solidFill>
+            </a:ln>
+          </p:spPr>
+          <p:txBody>
+            <a:bodyPr wrap="square" rtlCol="0">
+              <a:spAutoFit/>
+            </a:bodyPr>
+            <a:lstStyle/>
+            <a:p>
+              <a:r>
+                <a:rPr lang="en-US" sz="1200" dirty="0" smtClean="0"/>
+                <a:t>Gaussian Plume</a:t>
+              </a:r>
+            </a:p>
+            <a:p>
+              <a:r>
+                <a:rPr lang="en-US" sz="1200" dirty="0" smtClean="0"/>
+                <a:t>Remote BC</a:t>
+              </a:r>
+              <a:endParaRPr lang="en-US" sz="1200" dirty="0"/>
+            </a:p>
+          </p:txBody>
+        </p:sp>
+        <p:sp>
+          <p:nvSpPr>
+            <p:cNvPr id="32" name="TextBox 31"/>
+            <p:cNvSpPr txBox="1"/>
+            <p:nvPr/>
+          </p:nvSpPr>
+          <p:spPr>
+            <a:xfrm>
+              <a:off x="1752600" y="3886200"/>
+              <a:ext cx="1295400" cy="461665"/>
+            </a:xfrm>
+            <a:prstGeom prst="rect">
+              <a:avLst/>
+            </a:prstGeom>
+            <a:noFill/>
+            <a:ln>
+              <a:solidFill>
+                <a:schemeClr val="accent1"/>
+              </a:solidFill>
+            </a:ln>
+          </p:spPr>
+          <p:txBody>
+            <a:bodyPr wrap="square" rtlCol="0">
+              <a:spAutoFit/>
+            </a:bodyPr>
+            <a:lstStyle/>
+            <a:p>
+              <a:r>
+                <a:rPr lang="en-US" sz="1200" dirty="0" smtClean="0"/>
+                <a:t>Gaussian Plume</a:t>
+              </a:r>
+            </a:p>
+            <a:p>
+              <a:r>
+                <a:rPr lang="en-US" sz="1200" dirty="0" smtClean="0"/>
+                <a:t>Active BC</a:t>
+              </a:r>
+              <a:endParaRPr lang="en-US" sz="1200" dirty="0"/>
+            </a:p>
+          </p:txBody>
+        </p:sp>
+        <p:sp>
+          <p:nvSpPr>
+            <p:cNvPr id="33" name="TextBox 32"/>
+            <p:cNvSpPr txBox="1"/>
+            <p:nvPr/>
+          </p:nvSpPr>
+          <p:spPr>
+            <a:xfrm>
+              <a:off x="4572000" y="3043535"/>
+              <a:ext cx="1295400" cy="461665"/>
+            </a:xfrm>
+            <a:prstGeom prst="rect">
+              <a:avLst/>
+            </a:prstGeom>
+            <a:noFill/>
+            <a:ln>
+              <a:solidFill>
+                <a:schemeClr val="accent1"/>
+              </a:solidFill>
+            </a:ln>
+          </p:spPr>
+          <p:txBody>
+            <a:bodyPr wrap="square" rtlCol="0">
+              <a:spAutoFit/>
+            </a:bodyPr>
+            <a:lstStyle/>
+            <a:p>
+              <a:r>
+                <a:rPr lang="en-US" sz="1200" dirty="0" smtClean="0"/>
+                <a:t>Gaussian Plume</a:t>
+              </a:r>
+            </a:p>
+            <a:p>
+              <a:r>
+                <a:rPr lang="en-US" sz="1200" dirty="0" smtClean="0"/>
+                <a:t>Remote BC</a:t>
+              </a:r>
+              <a:endParaRPr lang="en-US" sz="1200" dirty="0"/>
+            </a:p>
+          </p:txBody>
+        </p:sp>
+        <p:sp>
+          <p:nvSpPr>
+            <p:cNvPr id="34" name="TextBox 33"/>
+            <p:cNvSpPr txBox="1"/>
+            <p:nvPr/>
+          </p:nvSpPr>
+          <p:spPr>
+            <a:xfrm>
+              <a:off x="4648200" y="4191000"/>
+              <a:ext cx="1295400" cy="461665"/>
+            </a:xfrm>
+            <a:prstGeom prst="rect">
+              <a:avLst/>
+            </a:prstGeom>
+            <a:noFill/>
+            <a:ln>
+              <a:solidFill>
+                <a:schemeClr val="accent1"/>
+              </a:solidFill>
+            </a:ln>
+          </p:spPr>
+          <p:txBody>
+            <a:bodyPr wrap="square" rtlCol="0">
+              <a:spAutoFit/>
+            </a:bodyPr>
+            <a:lstStyle/>
+            <a:p>
+              <a:r>
+                <a:rPr lang="en-US" sz="1200" dirty="0" smtClean="0"/>
+                <a:t>Gaussian Plume</a:t>
+              </a:r>
+            </a:p>
+            <a:p>
+              <a:r>
+                <a:rPr lang="en-US" sz="1200" dirty="0" smtClean="0"/>
+                <a:t>Remote BC</a:t>
+              </a:r>
+              <a:endParaRPr lang="en-US" sz="1200" dirty="0"/>
+            </a:p>
+          </p:txBody>
+        </p:sp>
+        <p:sp>
+          <p:nvSpPr>
+            <p:cNvPr id="35" name="TextBox 34"/>
+            <p:cNvSpPr txBox="1"/>
+            <p:nvPr/>
+          </p:nvSpPr>
+          <p:spPr>
+            <a:xfrm>
+              <a:off x="6019800" y="4648200"/>
+              <a:ext cx="1295400" cy="461665"/>
+            </a:xfrm>
+            <a:prstGeom prst="rect">
+              <a:avLst/>
+            </a:prstGeom>
+            <a:noFill/>
+            <a:ln>
+              <a:solidFill>
+                <a:schemeClr val="accent1"/>
+              </a:solidFill>
+            </a:ln>
+          </p:spPr>
+          <p:txBody>
+            <a:bodyPr wrap="square" rtlCol="0">
+              <a:spAutoFit/>
+            </a:bodyPr>
+            <a:lstStyle/>
+            <a:p>
+              <a:r>
+                <a:rPr lang="en-US" sz="1200" dirty="0" err="1" smtClean="0"/>
+                <a:t>Zoppou</a:t>
+              </a:r>
+              <a:endParaRPr lang="en-US" sz="1200" dirty="0" smtClean="0"/>
+            </a:p>
+            <a:p>
+              <a:r>
+                <a:rPr lang="en-US" sz="1200" dirty="0" smtClean="0"/>
+                <a:t>Flat BC</a:t>
+              </a:r>
+              <a:endParaRPr lang="en-US" sz="1200" dirty="0"/>
+            </a:p>
+          </p:txBody>
+        </p:sp>
+        <p:sp>
+          <p:nvSpPr>
+            <p:cNvPr id="36" name="TextBox 35"/>
+            <p:cNvSpPr txBox="1"/>
+            <p:nvPr/>
+          </p:nvSpPr>
+          <p:spPr>
+            <a:xfrm>
+              <a:off x="6019800" y="5105400"/>
+              <a:ext cx="1295400" cy="461665"/>
+            </a:xfrm>
+            <a:prstGeom prst="rect">
+              <a:avLst/>
+            </a:prstGeom>
+            <a:noFill/>
+            <a:ln>
+              <a:solidFill>
+                <a:schemeClr val="accent1"/>
+              </a:solidFill>
+            </a:ln>
+          </p:spPr>
+          <p:txBody>
+            <a:bodyPr wrap="square" rtlCol="0">
+              <a:spAutoFit/>
+            </a:bodyPr>
+            <a:lstStyle/>
+            <a:p>
+              <a:r>
+                <a:rPr lang="en-US" sz="1200" dirty="0" err="1" smtClean="0"/>
+                <a:t>Zoppou</a:t>
+              </a:r>
+              <a:endParaRPr lang="en-US" sz="1200" dirty="0" smtClean="0"/>
+            </a:p>
+            <a:p>
+              <a:r>
+                <a:rPr lang="en-US" sz="1200" dirty="0" smtClean="0"/>
+                <a:t>Active BC</a:t>
+              </a:r>
+              <a:endParaRPr lang="en-US" sz="1200" dirty="0"/>
+            </a:p>
+          </p:txBody>
+        </p:sp>
+        <p:sp>
+          <p:nvSpPr>
+            <p:cNvPr id="37" name="TextBox 36"/>
+            <p:cNvSpPr txBox="1"/>
+            <p:nvPr/>
+          </p:nvSpPr>
+          <p:spPr>
+            <a:xfrm>
+              <a:off x="6019800" y="5715000"/>
+              <a:ext cx="1676400" cy="646331"/>
+            </a:xfrm>
+            <a:prstGeom prst="rect">
+              <a:avLst/>
+            </a:prstGeom>
+            <a:noFill/>
+            <a:ln>
+              <a:solidFill>
+                <a:schemeClr val="accent1"/>
+              </a:solidFill>
+            </a:ln>
+          </p:spPr>
+          <p:txBody>
+            <a:bodyPr wrap="square" rtlCol="0">
+              <a:spAutoFit/>
+            </a:bodyPr>
+            <a:lstStyle/>
+            <a:p>
+              <a:r>
+                <a:rPr lang="en-US" sz="1200" dirty="0" err="1" smtClean="0"/>
+                <a:t>Zoppou</a:t>
+              </a:r>
+              <a:endParaRPr lang="en-US" sz="1200" dirty="0" smtClean="0"/>
+            </a:p>
+            <a:p>
+              <a:r>
+                <a:rPr lang="en-US" sz="1200" dirty="0" smtClean="0"/>
+                <a:t>Active BC</a:t>
+              </a:r>
+            </a:p>
+            <a:p>
+              <a:r>
+                <a:rPr lang="en-US" sz="1200" dirty="0" smtClean="0"/>
+                <a:t>Non-linear Reaction</a:t>
+              </a:r>
+              <a:endParaRPr lang="en-US" sz="1200" dirty="0"/>
+            </a:p>
+          </p:txBody>
+        </p:sp>
+        <p:sp>
+          <p:nvSpPr>
+            <p:cNvPr id="27" name="Rectangle 26"/>
+            <p:cNvSpPr/>
+            <p:nvPr/>
+          </p:nvSpPr>
+          <p:spPr>
+            <a:xfrm>
+              <a:off x="1676400" y="2209800"/>
+              <a:ext cx="6324600" cy="4267200"/>
+            </a:xfrm>
+            <a:prstGeom prst="rect">
+              <a:avLst/>
+            </a:prstGeom>
+            <a:noFill/>
+          </p:spPr>
+          <p:style>
+            <a:lnRef idx="2">
+              <a:schemeClr val="accent1">
+                <a:shade val="50000"/>
+              </a:schemeClr>
+            </a:lnRef>
+            <a:fillRef idx="1">
               <a:schemeClr val="accent1"/>
-            </a:solidFill>
-          </a:ln>
-        </p:spPr>
-        <p:txBody>
-          <a:bodyPr wrap="square" rtlCol="0">
-            <a:spAutoFit/>
-          </a:bodyPr>
-          <a:lstStyle/>
-          <a:p>
-            <a:r>
-              <a:rPr lang="en-US" sz="1200" dirty="0" smtClean="0"/>
-              <a:t>Gaussian Plume</a:t>
-            </a:r>
-          </a:p>
-          <a:p>
-            <a:r>
-              <a:rPr lang="en-US" sz="1200" dirty="0" smtClean="0"/>
-              <a:t>Remote BC</a:t>
-            </a:r>
-            <a:endParaRPr lang="en-US" sz="1200" dirty="0"/>
-          </a:p>
-        </p:txBody>
-      </p:sp>
-      <p:sp>
-        <p:nvSpPr>
-          <p:cNvPr id="32" name="TextBox 31"/>
-          <p:cNvSpPr txBox="1"/>
-          <p:nvPr/>
-        </p:nvSpPr>
-        <p:spPr>
-          <a:xfrm>
-            <a:off x="1752600" y="3886200"/>
-            <a:ext cx="1295400" cy="461665"/>
-          </a:xfrm>
-          <a:prstGeom prst="rect">
-            <a:avLst/>
-          </a:prstGeom>
-          <a:noFill/>
-          <a:ln>
-            <a:solidFill>
+            </a:fillRef>
+            <a:effectRef idx="0">
               <a:schemeClr val="accent1"/>
-            </a:solidFill>
-          </a:ln>
-        </p:spPr>
-        <p:txBody>
-          <a:bodyPr wrap="square" rtlCol="0">
-            <a:spAutoFit/>
-          </a:bodyPr>
-          <a:lstStyle/>
-          <a:p>
-            <a:r>
-              <a:rPr lang="en-US" sz="1200" dirty="0" smtClean="0"/>
-              <a:t>Gaussian Plume</a:t>
-            </a:r>
-          </a:p>
-          <a:p>
-            <a:r>
-              <a:rPr lang="en-US" sz="1200" dirty="0" smtClean="0"/>
-              <a:t>Active BC</a:t>
-            </a:r>
-            <a:endParaRPr lang="en-US" sz="1200" dirty="0"/>
-          </a:p>
-        </p:txBody>
-      </p:sp>
-      <p:sp>
-        <p:nvSpPr>
-          <p:cNvPr id="33" name="TextBox 32"/>
-          <p:cNvSpPr txBox="1"/>
-          <p:nvPr/>
-        </p:nvSpPr>
-        <p:spPr>
-          <a:xfrm>
-            <a:off x="4572000" y="3043535"/>
-            <a:ext cx="1295400" cy="461665"/>
-          </a:xfrm>
-          <a:prstGeom prst="rect">
-            <a:avLst/>
-          </a:prstGeom>
-          <a:noFill/>
-          <a:ln>
-            <a:solidFill>
-              <a:schemeClr val="accent1"/>
-            </a:solidFill>
-          </a:ln>
-        </p:spPr>
-        <p:txBody>
-          <a:bodyPr wrap="square" rtlCol="0">
-            <a:spAutoFit/>
-          </a:bodyPr>
-          <a:lstStyle/>
-          <a:p>
-            <a:r>
-              <a:rPr lang="en-US" sz="1200" dirty="0" smtClean="0"/>
-              <a:t>Gaussian Plume</a:t>
-            </a:r>
-          </a:p>
-          <a:p>
-            <a:r>
-              <a:rPr lang="en-US" sz="1200" dirty="0" smtClean="0"/>
-              <a:t>Remote BC</a:t>
-            </a:r>
-            <a:endParaRPr lang="en-US" sz="1200" dirty="0"/>
-          </a:p>
-        </p:txBody>
-      </p:sp>
-      <p:sp>
-        <p:nvSpPr>
-          <p:cNvPr id="34" name="TextBox 33"/>
-          <p:cNvSpPr txBox="1"/>
-          <p:nvPr/>
-        </p:nvSpPr>
-        <p:spPr>
-          <a:xfrm>
-            <a:off x="4648200" y="4191000"/>
-            <a:ext cx="1295400" cy="461665"/>
-          </a:xfrm>
-          <a:prstGeom prst="rect">
-            <a:avLst/>
-          </a:prstGeom>
-          <a:noFill/>
-          <a:ln>
-            <a:solidFill>
-              <a:schemeClr val="accent1"/>
-            </a:solidFill>
-          </a:ln>
-        </p:spPr>
-        <p:txBody>
-          <a:bodyPr wrap="square" rtlCol="0">
-            <a:spAutoFit/>
-          </a:bodyPr>
-          <a:lstStyle/>
-          <a:p>
-            <a:r>
-              <a:rPr lang="en-US" sz="1200" dirty="0" smtClean="0"/>
-              <a:t>Gaussian Plume</a:t>
-            </a:r>
-          </a:p>
-          <a:p>
-            <a:r>
-              <a:rPr lang="en-US" sz="1200" dirty="0" smtClean="0"/>
-              <a:t>Remote BC</a:t>
-            </a:r>
-            <a:endParaRPr lang="en-US" sz="1200" dirty="0"/>
-          </a:p>
-        </p:txBody>
-      </p:sp>
-      <p:sp>
-        <p:nvSpPr>
-          <p:cNvPr id="35" name="TextBox 34"/>
-          <p:cNvSpPr txBox="1"/>
-          <p:nvPr/>
-        </p:nvSpPr>
-        <p:spPr>
-          <a:xfrm>
-            <a:off x="6019800" y="4648200"/>
-            <a:ext cx="1295400" cy="461665"/>
-          </a:xfrm>
-          <a:prstGeom prst="rect">
-            <a:avLst/>
-          </a:prstGeom>
-          <a:noFill/>
-          <a:ln>
-            <a:solidFill>
-              <a:schemeClr val="accent1"/>
-            </a:solidFill>
-          </a:ln>
-        </p:spPr>
-        <p:txBody>
-          <a:bodyPr wrap="square" rtlCol="0">
-            <a:spAutoFit/>
-          </a:bodyPr>
-          <a:lstStyle/>
-          <a:p>
-            <a:r>
-              <a:rPr lang="en-US" sz="1200" dirty="0" err="1" smtClean="0"/>
-              <a:t>Zoppou</a:t>
-            </a:r>
-            <a:endParaRPr lang="en-US" sz="1200" dirty="0" smtClean="0"/>
-          </a:p>
-          <a:p>
-            <a:r>
-              <a:rPr lang="en-US" sz="1200" dirty="0" smtClean="0"/>
-              <a:t>Flat BC</a:t>
-            </a:r>
-            <a:endParaRPr lang="en-US" sz="1200" dirty="0"/>
-          </a:p>
-        </p:txBody>
-      </p:sp>
-      <p:sp>
-        <p:nvSpPr>
-          <p:cNvPr id="36" name="TextBox 35"/>
-          <p:cNvSpPr txBox="1"/>
-          <p:nvPr/>
-        </p:nvSpPr>
-        <p:spPr>
-          <a:xfrm>
-            <a:off x="6019800" y="5105400"/>
-            <a:ext cx="1295400" cy="461665"/>
-          </a:xfrm>
-          <a:prstGeom prst="rect">
-            <a:avLst/>
-          </a:prstGeom>
-          <a:noFill/>
-          <a:ln>
-            <a:solidFill>
-              <a:schemeClr val="accent1"/>
-            </a:solidFill>
-          </a:ln>
-        </p:spPr>
-        <p:txBody>
-          <a:bodyPr wrap="square" rtlCol="0">
-            <a:spAutoFit/>
-          </a:bodyPr>
-          <a:lstStyle/>
-          <a:p>
-            <a:r>
-              <a:rPr lang="en-US" sz="1200" dirty="0" err="1" smtClean="0"/>
-              <a:t>Zoppou</a:t>
-            </a:r>
-            <a:endParaRPr lang="en-US" sz="1200" dirty="0" smtClean="0"/>
-          </a:p>
-          <a:p>
-            <a:r>
-              <a:rPr lang="en-US" sz="1200" dirty="0" smtClean="0"/>
-              <a:t>Active BC</a:t>
-            </a:r>
-            <a:endParaRPr lang="en-US" sz="1200" dirty="0"/>
-          </a:p>
-        </p:txBody>
-      </p:sp>
-      <p:sp>
-        <p:nvSpPr>
-          <p:cNvPr id="37" name="TextBox 36"/>
-          <p:cNvSpPr txBox="1"/>
-          <p:nvPr/>
-        </p:nvSpPr>
-        <p:spPr>
-          <a:xfrm>
-            <a:off x="6019800" y="5715000"/>
-            <a:ext cx="1676400" cy="646331"/>
-          </a:xfrm>
-          <a:prstGeom prst="rect">
-            <a:avLst/>
-          </a:prstGeom>
-          <a:noFill/>
-          <a:ln>
-            <a:solidFill>
-              <a:schemeClr val="accent1"/>
-            </a:solidFill>
-          </a:ln>
-        </p:spPr>
-        <p:txBody>
-          <a:bodyPr wrap="square" rtlCol="0">
-            <a:spAutoFit/>
-          </a:bodyPr>
-          <a:lstStyle/>
-          <a:p>
-            <a:r>
-              <a:rPr lang="en-US" sz="1200" dirty="0" err="1" smtClean="0"/>
-              <a:t>Zoppou</a:t>
-            </a:r>
-            <a:endParaRPr lang="en-US" sz="1200" dirty="0" smtClean="0"/>
-          </a:p>
-          <a:p>
-            <a:r>
-              <a:rPr lang="en-US" sz="1200" dirty="0" smtClean="0"/>
-              <a:t>Active BC</a:t>
-            </a:r>
-          </a:p>
-          <a:p>
-            <a:r>
-              <a:rPr lang="en-US" sz="1200" dirty="0" smtClean="0"/>
-              <a:t>Non-linear Reaction</a:t>
-            </a:r>
-            <a:endParaRPr lang="en-US" sz="1200" dirty="0"/>
-          </a:p>
-        </p:txBody>
-      </p:sp>
-      <p:sp>
-        <p:nvSpPr>
-          <p:cNvPr id="27" name="Rectangle 26"/>
-          <p:cNvSpPr/>
-          <p:nvPr/>
-        </p:nvSpPr>
-        <p:spPr>
-          <a:xfrm>
-            <a:off x="1676400" y="2209800"/>
-            <a:ext cx="6324600" cy="4267200"/>
-          </a:xfrm>
-          <a:prstGeom prst="rect">
-            <a:avLst/>
-          </a:prstGeom>
-          <a:noFill/>
-        </p:spPr>
-        <p:style>
-          <a:lnRef idx="2">
-            <a:schemeClr val="accent1">
-              <a:shade val="50000"/>
-            </a:schemeClr>
-          </a:lnRef>
-          <a:fillRef idx="1">
-            <a:schemeClr val="accent1"/>
-          </a:fillRef>
-          <a:effectRef idx="0">
-            <a:schemeClr val="accent1"/>
-          </a:effectRef>
-          <a:fontRef idx="minor">
-            <a:schemeClr val="lt1"/>
-          </a:fontRef>
-        </p:style>
-        <p:txBody>
-          <a:bodyPr rtlCol="0" anchor="ctr"/>
-          <a:lstStyle/>
-          <a:p>
-            <a:pPr algn="ctr"/>
-            <a:endParaRPr lang="en-US"/>
-          </a:p>
-        </p:txBody>
-      </p:sp>
+            </a:effectRef>
+            <a:fontRef idx="minor">
+              <a:schemeClr val="lt1"/>
+            </a:fontRef>
+          </p:style>
+          <p:txBody>
+            <a:bodyPr rtlCol="0" anchor="ctr"/>
+            <a:lstStyle/>
+            <a:p>
+              <a:pPr algn="ctr"/>
+              <a:endParaRPr lang="en-US"/>
+            </a:p>
+          </p:txBody>
+        </p:sp>
+      </p:grpSp>
     </p:spTree>
   </p:cSld>
   <p:clrMapOvr>
